--- a/2/発表資料.pptx
+++ b/2/発表資料.pptx
@@ -16,6 +16,7 @@
     <p:sldId id="265" r:id="rId10"/>
     <p:sldId id="266" r:id="rId11"/>
     <p:sldId id="264" r:id="rId12"/>
+    <p:sldId id="270" r:id="rId13"/>
   </p:sldIdLst>
   <p:sldSz cx="12192000" cy="6858000"/>
   <p:notesSz cx="6858000" cy="9144000"/>
@@ -120,6 +121,65 @@
     </p:ext>
   </p:extLst>
 </p:presentation>
+</file>
+
+<file path=ppt/revisionInfo.xml><?xml version="1.0" encoding="utf-8"?>
+<p1510:revInfo xmlns:a="http://schemas.openxmlformats.org/drawingml/2006/main" xmlns:r="http://schemas.openxmlformats.org/officeDocument/2006/relationships" xmlns:p1510="http://schemas.microsoft.com/office/powerpoint/2015/10/main">
+  <p1510:revLst>
+    <p1510:client id="{3D13BBE6-A369-41BD-97B8-B0BE78150BF5}" v="1" dt="2024-05-10T09:00:58.012"/>
+  </p1510:revLst>
+</p1510:revInfo>
+</file>
+
+<file path=ppt/changesInfos/changesInfo1.xml><?xml version="1.0" encoding="utf-8"?>
+<pc:chgInfo xmlns:a="http://schemas.openxmlformats.org/drawingml/2006/main" xmlns:r="http://schemas.openxmlformats.org/officeDocument/2006/relationships" xmlns:ac="http://schemas.microsoft.com/office/drawing/2013/main/command" xmlns:pc="http://schemas.microsoft.com/office/powerpoint/2013/main/command">
+  <pc:docChgLst>
+    <pc:chgData name="g2121057" userId="037dc83c-fac4-4eea-acb3-34d3beafcde8" providerId="ADAL" clId="{3D13BBE6-A369-41BD-97B8-B0BE78150BF5}"/>
+    <pc:docChg chg="addSld modSld">
+      <pc:chgData name="g2121057" userId="037dc83c-fac4-4eea-acb3-34d3beafcde8" providerId="ADAL" clId="{3D13BBE6-A369-41BD-97B8-B0BE78150BF5}" dt="2024-05-10T09:20:32.997" v="33" actId="20577"/>
+      <pc:docMkLst>
+        <pc:docMk/>
+      </pc:docMkLst>
+      <pc:sldChg chg="modSp mod">
+        <pc:chgData name="g2121057" userId="037dc83c-fac4-4eea-acb3-34d3beafcde8" providerId="ADAL" clId="{3D13BBE6-A369-41BD-97B8-B0BE78150BF5}" dt="2024-05-10T09:20:32.997" v="33" actId="20577"/>
+        <pc:sldMkLst>
+          <pc:docMk/>
+          <pc:sldMk cId="3534629283" sldId="264"/>
+        </pc:sldMkLst>
+        <pc:spChg chg="mod">
+          <ac:chgData name="g2121057" userId="037dc83c-fac4-4eea-acb3-34d3beafcde8" providerId="ADAL" clId="{3D13BBE6-A369-41BD-97B8-B0BE78150BF5}" dt="2024-05-10T09:20:32.997" v="33" actId="20577"/>
+          <ac:spMkLst>
+            <pc:docMk/>
+            <pc:sldMk cId="3534629283" sldId="264"/>
+            <ac:spMk id="3" creationId="{429361FC-748B-3659-39EC-91D898FD9EC3}"/>
+          </ac:spMkLst>
+        </pc:spChg>
+      </pc:sldChg>
+      <pc:sldChg chg="modSp mod">
+        <pc:chgData name="g2121057" userId="037dc83c-fac4-4eea-acb3-34d3beafcde8" providerId="ADAL" clId="{3D13BBE6-A369-41BD-97B8-B0BE78150BF5}" dt="2024-05-10T06:07:24.406" v="2" actId="1035"/>
+        <pc:sldMkLst>
+          <pc:docMk/>
+          <pc:sldMk cId="3667974431" sldId="266"/>
+        </pc:sldMkLst>
+        <pc:spChg chg="mod">
+          <ac:chgData name="g2121057" userId="037dc83c-fac4-4eea-acb3-34d3beafcde8" providerId="ADAL" clId="{3D13BBE6-A369-41BD-97B8-B0BE78150BF5}" dt="2024-05-10T06:07:24.406" v="2" actId="1035"/>
+          <ac:spMkLst>
+            <pc:docMk/>
+            <pc:sldMk cId="3667974431" sldId="266"/>
+            <ac:spMk id="3" creationId="{17A0AA9A-5FE0-9713-8F74-C5B39B073440}"/>
+          </ac:spMkLst>
+        </pc:spChg>
+      </pc:sldChg>
+      <pc:sldChg chg="add">
+        <pc:chgData name="g2121057" userId="037dc83c-fac4-4eea-acb3-34d3beafcde8" providerId="ADAL" clId="{3D13BBE6-A369-41BD-97B8-B0BE78150BF5}" dt="2024-05-10T09:00:58.008" v="3"/>
+        <pc:sldMkLst>
+          <pc:docMk/>
+          <pc:sldMk cId="4034619953" sldId="270"/>
+        </pc:sldMkLst>
+      </pc:sldChg>
+    </pc:docChg>
+  </pc:docChgLst>
+</pc:chgInfo>
 </file>
 
 <file path=ppt/slideLayouts/slideLayout1.xml><?xml version="1.0" encoding="utf-8"?>
@@ -3757,8 +3817,8 @@
         </p:nvSpPr>
         <p:spPr>
           <a:xfrm>
-            <a:off x="838200" y="1825625"/>
-            <a:ext cx="10515600" cy="5297070"/>
+            <a:off x="838200" y="1807153"/>
+            <a:ext cx="10515600" cy="5032375"/>
           </a:xfrm>
         </p:spPr>
         <p:txBody>
@@ -4216,8 +4276,18 @@
               <a:buNone/>
             </a:pPr>
             <a:r>
-              <a:rPr kumimoji="1" lang="ja-JP" altLang="en-US"/>
+              <a:rPr kumimoji="1" lang="ja-JP" altLang="en-US" dirty="0"/>
               <a:t>　◦書籍のコードを終わらす</a:t>
+            </a:r>
+            <a:endParaRPr kumimoji="1" lang="en-US" altLang="ja-JP" dirty="0"/>
+          </a:p>
+          <a:p>
+            <a:pPr marL="0" indent="0">
+              <a:buNone/>
+            </a:pPr>
+            <a:r>
+              <a:rPr lang="ja-JP" altLang="en-US" dirty="0"/>
+              <a:t>　◦文献調査</a:t>
             </a:r>
             <a:endParaRPr kumimoji="1" lang="ja-JP" altLang="en-US" dirty="0"/>
           </a:p>
@@ -4227,6 +4297,271 @@
     <p:extLst>
       <p:ext uri="{BB962C8B-B14F-4D97-AF65-F5344CB8AC3E}">
         <p14:creationId xmlns:p14="http://schemas.microsoft.com/office/powerpoint/2010/main" val="3534629283"/>
+      </p:ext>
+    </p:extLst>
+  </p:cSld>
+  <p:clrMapOvr>
+    <a:masterClrMapping/>
+  </p:clrMapOvr>
+</p:sld>
+</file>
+
+<file path=ppt/slides/slide12.xml><?xml version="1.0" encoding="utf-8"?>
+<p:sld xmlns:a="http://schemas.openxmlformats.org/drawingml/2006/main" xmlns:r="http://schemas.openxmlformats.org/officeDocument/2006/relationships" xmlns:p="http://schemas.openxmlformats.org/presentationml/2006/main">
+  <p:cSld>
+    <p:spTree>
+      <p:nvGrpSpPr>
+        <p:cNvPr id="1" name=""/>
+        <p:cNvGrpSpPr/>
+        <p:nvPr/>
+      </p:nvGrpSpPr>
+      <p:grpSpPr>
+        <a:xfrm>
+          <a:off x="0" y="0"/>
+          <a:ext cx="0" cy="0"/>
+          <a:chOff x="0" y="0"/>
+          <a:chExt cx="0" cy="0"/>
+        </a:xfrm>
+      </p:grpSpPr>
+      <p:pic>
+        <p:nvPicPr>
+          <p:cNvPr id="5" name="図 4">
+            <a:extLst>
+              <a:ext uri="{FF2B5EF4-FFF2-40B4-BE49-F238E27FC236}">
+                <a16:creationId xmlns:a16="http://schemas.microsoft.com/office/drawing/2014/main" id="{750BF857-82E2-1EDD-4584-FC355D8C4535}"/>
+              </a:ext>
+            </a:extLst>
+          </p:cNvPr>
+          <p:cNvPicPr>
+            <a:picLocks noChangeAspect="1"/>
+          </p:cNvPicPr>
+          <p:nvPr/>
+        </p:nvPicPr>
+        <p:blipFill>
+          <a:blip r:embed="rId2"/>
+          <a:stretch>
+            <a:fillRect/>
+          </a:stretch>
+        </p:blipFill>
+        <p:spPr>
+          <a:xfrm>
+            <a:off x="6584234" y="245319"/>
+            <a:ext cx="5692631" cy="3088416"/>
+          </a:xfrm>
+          <a:prstGeom prst="rect">
+            <a:avLst/>
+          </a:prstGeom>
+        </p:spPr>
+      </p:pic>
+      <p:sp>
+        <p:nvSpPr>
+          <p:cNvPr id="2" name="タイトル 1">
+            <a:extLst>
+              <a:ext uri="{FF2B5EF4-FFF2-40B4-BE49-F238E27FC236}">
+                <a16:creationId xmlns:a16="http://schemas.microsoft.com/office/drawing/2014/main" id="{05F1B452-554A-5360-FDBD-3A4C5D00E0B2}"/>
+              </a:ext>
+            </a:extLst>
+          </p:cNvPr>
+          <p:cNvSpPr>
+            <a:spLocks noGrp="1"/>
+          </p:cNvSpPr>
+          <p:nvPr>
+            <p:ph type="title"/>
+          </p:nvPr>
+        </p:nvSpPr>
+        <p:spPr>
+          <a:xfrm>
+            <a:off x="25400" y="143453"/>
+            <a:ext cx="10515600" cy="1325563"/>
+          </a:xfrm>
+        </p:spPr>
+        <p:txBody>
+          <a:bodyPr/>
+          <a:lstStyle/>
+          <a:p>
+            <a:r>
+              <a:rPr kumimoji="1" lang="ja-JP" altLang="en-US" b="1" u="sng" dirty="0"/>
+              <a:t>提案手法</a:t>
+            </a:r>
+          </a:p>
+        </p:txBody>
+      </p:sp>
+      <p:sp>
+        <p:nvSpPr>
+          <p:cNvPr id="3" name="コンテンツ プレースホルダー 2">
+            <a:extLst>
+              <a:ext uri="{FF2B5EF4-FFF2-40B4-BE49-F238E27FC236}">
+                <a16:creationId xmlns:a16="http://schemas.microsoft.com/office/drawing/2014/main" id="{1A063522-C827-2133-CBED-EDB0E356CB48}"/>
+              </a:ext>
+            </a:extLst>
+          </p:cNvPr>
+          <p:cNvSpPr>
+            <a:spLocks noGrp="1"/>
+          </p:cNvSpPr>
+          <p:nvPr>
+            <p:ph idx="1"/>
+          </p:nvPr>
+        </p:nvSpPr>
+        <p:spPr>
+          <a:xfrm>
+            <a:off x="25399" y="1253330"/>
+            <a:ext cx="11889510" cy="5604669"/>
+          </a:xfrm>
+        </p:spPr>
+        <p:txBody>
+          <a:bodyPr>
+            <a:normAutofit lnSpcReduction="10000"/>
+          </a:bodyPr>
+          <a:lstStyle/>
+          <a:p>
+            <a:r>
+              <a:rPr kumimoji="1" lang="ja-JP" altLang="en-US" sz="3600" dirty="0"/>
+              <a:t>提案手法１（</a:t>
+            </a:r>
+            <a:r>
+              <a:rPr kumimoji="1" lang="en-US" altLang="ja-JP" sz="3600" dirty="0"/>
+              <a:t>Simple</a:t>
+            </a:r>
+            <a:r>
+              <a:rPr kumimoji="1" lang="ja-JP" altLang="en-US" sz="3600" dirty="0"/>
+              <a:t>　</a:t>
+            </a:r>
+            <a:r>
+              <a:rPr kumimoji="1" lang="en-US" altLang="ja-JP" sz="3600" dirty="0"/>
+              <a:t>GA</a:t>
+            </a:r>
+            <a:r>
+              <a:rPr kumimoji="1" lang="ja-JP" altLang="en-US" sz="3600" dirty="0"/>
+              <a:t>）</a:t>
+            </a:r>
+            <a:endParaRPr kumimoji="1" lang="en-US" altLang="ja-JP" sz="3600" dirty="0"/>
+          </a:p>
+          <a:p>
+            <a:pPr marL="0" indent="0">
+              <a:buNone/>
+            </a:pPr>
+            <a:r>
+              <a:rPr lang="ja-JP" altLang="en-US" sz="3600" b="1" dirty="0"/>
+              <a:t>重みづけー</a:t>
+            </a:r>
+            <a:r>
+              <a:rPr lang="en-US" altLang="ja-JP" sz="3600" b="1" dirty="0"/>
+              <a:t>SGA</a:t>
+            </a:r>
+            <a:endParaRPr kumimoji="1" lang="en-US" altLang="ja-JP" sz="3600" b="1" dirty="0"/>
+          </a:p>
+          <a:p>
+            <a:pPr marL="0" indent="0">
+              <a:buNone/>
+            </a:pPr>
+            <a:r>
+              <a:rPr lang="ja-JP" altLang="en-US" sz="3600" dirty="0"/>
+              <a:t>      タスク性能評価</a:t>
+            </a:r>
+            <a:r>
+              <a:rPr lang="en-US" altLang="ja-JP" sz="3600" dirty="0"/>
+              <a:t>f1(x)</a:t>
+            </a:r>
+          </a:p>
+          <a:p>
+            <a:pPr marL="0" indent="0">
+              <a:buNone/>
+            </a:pPr>
+            <a:r>
+              <a:rPr kumimoji="1" lang="ja-JP" altLang="en-US" sz="3600" dirty="0"/>
+              <a:t>      重み０の個数の目的関数</a:t>
+            </a:r>
+            <a:r>
+              <a:rPr kumimoji="1" lang="en-US" altLang="ja-JP" sz="3600" dirty="0"/>
+              <a:t>f2(x)</a:t>
+            </a:r>
+          </a:p>
+          <a:p>
+            <a:pPr marL="0" indent="0">
+              <a:buNone/>
+            </a:pPr>
+            <a:r>
+              <a:rPr kumimoji="1" lang="en-US" altLang="ja-JP" sz="3600" dirty="0"/>
+              <a:t>      </a:t>
+            </a:r>
+            <a:r>
+              <a:rPr kumimoji="1" lang="ja-JP" altLang="en-US" sz="3600" dirty="0"/>
+              <a:t>重みづけを行い線形和にすること和が</a:t>
+            </a:r>
+            <a:r>
+              <a:rPr kumimoji="1" lang="en-US" altLang="ja-JP" sz="3600" dirty="0"/>
+              <a:t>1</a:t>
+            </a:r>
+            <a:r>
+              <a:rPr kumimoji="1" lang="ja-JP" altLang="en-US" sz="3600" dirty="0"/>
+              <a:t>になるように</a:t>
+            </a:r>
+            <a:endParaRPr kumimoji="1" lang="en-US" altLang="ja-JP" sz="3600" dirty="0"/>
+          </a:p>
+          <a:p>
+            <a:pPr marL="0" indent="0">
+              <a:buNone/>
+            </a:pPr>
+            <a:endParaRPr kumimoji="1" lang="en-US" altLang="ja-JP" sz="3600" dirty="0"/>
+          </a:p>
+          <a:p>
+            <a:r>
+              <a:rPr lang="ja-JP" altLang="en-US" sz="3600" dirty="0"/>
+              <a:t>提案手法２（</a:t>
+            </a:r>
+            <a:r>
+              <a:rPr lang="en-US" altLang="ja-JP" sz="3600" dirty="0"/>
+              <a:t>NSGA</a:t>
+            </a:r>
+            <a:r>
+              <a:rPr lang="ja-JP" altLang="en-US" sz="3600" dirty="0"/>
+              <a:t>ー</a:t>
+            </a:r>
+            <a:r>
+              <a:rPr lang="en-US" altLang="ja-JP" sz="3600" dirty="0"/>
+              <a:t>Ⅱ</a:t>
+            </a:r>
+            <a:r>
+              <a:rPr lang="ja-JP" altLang="en-US" sz="3600" dirty="0"/>
+              <a:t>）</a:t>
+            </a:r>
+            <a:endParaRPr lang="en-US" altLang="ja-JP" sz="3600" dirty="0"/>
+          </a:p>
+          <a:p>
+            <a:pPr marL="0" indent="0">
+              <a:buNone/>
+            </a:pPr>
+            <a:r>
+              <a:rPr lang="ja-JP" altLang="en-US" sz="3600" dirty="0"/>
+              <a:t>　多目的最適解</a:t>
+            </a:r>
+            <a:endParaRPr lang="en-US" altLang="ja-JP" sz="3600" dirty="0"/>
+          </a:p>
+          <a:p>
+            <a:pPr marL="0" indent="0">
+              <a:buNone/>
+            </a:pPr>
+            <a:endParaRPr lang="en-US" altLang="ja-JP" sz="2000" dirty="0"/>
+          </a:p>
+          <a:p>
+            <a:pPr marL="0" indent="0">
+              <a:buNone/>
+            </a:pPr>
+            <a:r>
+              <a:rPr lang="ja-JP" altLang="en-US" sz="2000" dirty="0"/>
+              <a:t>　　</a:t>
+            </a:r>
+            <a:endParaRPr kumimoji="1" lang="en-US" altLang="ja-JP" sz="2000" dirty="0"/>
+          </a:p>
+          <a:p>
+            <a:endParaRPr kumimoji="1" lang="ja-JP" altLang="en-US" sz="2000" dirty="0"/>
+          </a:p>
+        </p:txBody>
+      </p:sp>
+    </p:spTree>
+    <p:extLst>
+      <p:ext uri="{BB962C8B-B14F-4D97-AF65-F5344CB8AC3E}">
+        <p14:creationId xmlns:p14="http://schemas.microsoft.com/office/powerpoint/2010/main" val="4034619953"/>
       </p:ext>
     </p:extLst>
   </p:cSld>
